--- a/Documents/software architecture.pptx
+++ b/Documents/software architecture.pptx
@@ -245,7 +245,7 @@
           <a:p>
             <a:fld id="{E6B29F7E-10B4-4321-AA2C-B0E4C26EEF29}" type="datetimeFigureOut">
               <a:rPr lang="en-SG" smtClean="0"/>
-              <a:t>6/12/2018</a:t>
+              <a:t>14/12/2018</a:t>
             </a:fld>
             <a:endParaRPr lang="en-SG"/>
           </a:p>
@@ -415,7 +415,7 @@
           <a:p>
             <a:fld id="{E6B29F7E-10B4-4321-AA2C-B0E4C26EEF29}" type="datetimeFigureOut">
               <a:rPr lang="en-SG" smtClean="0"/>
-              <a:t>6/12/2018</a:t>
+              <a:t>14/12/2018</a:t>
             </a:fld>
             <a:endParaRPr lang="en-SG"/>
           </a:p>
@@ -595,7 +595,7 @@
           <a:p>
             <a:fld id="{E6B29F7E-10B4-4321-AA2C-B0E4C26EEF29}" type="datetimeFigureOut">
               <a:rPr lang="en-SG" smtClean="0"/>
-              <a:t>6/12/2018</a:t>
+              <a:t>14/12/2018</a:t>
             </a:fld>
             <a:endParaRPr lang="en-SG"/>
           </a:p>
@@ -765,7 +765,7 @@
           <a:p>
             <a:fld id="{E6B29F7E-10B4-4321-AA2C-B0E4C26EEF29}" type="datetimeFigureOut">
               <a:rPr lang="en-SG" smtClean="0"/>
-              <a:t>6/12/2018</a:t>
+              <a:t>14/12/2018</a:t>
             </a:fld>
             <a:endParaRPr lang="en-SG"/>
           </a:p>
@@ -1011,7 +1011,7 @@
           <a:p>
             <a:fld id="{E6B29F7E-10B4-4321-AA2C-B0E4C26EEF29}" type="datetimeFigureOut">
               <a:rPr lang="en-SG" smtClean="0"/>
-              <a:t>6/12/2018</a:t>
+              <a:t>14/12/2018</a:t>
             </a:fld>
             <a:endParaRPr lang="en-SG"/>
           </a:p>
@@ -1243,7 +1243,7 @@
           <a:p>
             <a:fld id="{E6B29F7E-10B4-4321-AA2C-B0E4C26EEF29}" type="datetimeFigureOut">
               <a:rPr lang="en-SG" smtClean="0"/>
-              <a:t>6/12/2018</a:t>
+              <a:t>14/12/2018</a:t>
             </a:fld>
             <a:endParaRPr lang="en-SG"/>
           </a:p>
@@ -1610,7 +1610,7 @@
           <a:p>
             <a:fld id="{E6B29F7E-10B4-4321-AA2C-B0E4C26EEF29}" type="datetimeFigureOut">
               <a:rPr lang="en-SG" smtClean="0"/>
-              <a:t>6/12/2018</a:t>
+              <a:t>14/12/2018</a:t>
             </a:fld>
             <a:endParaRPr lang="en-SG"/>
           </a:p>
@@ -1728,7 +1728,7 @@
           <a:p>
             <a:fld id="{E6B29F7E-10B4-4321-AA2C-B0E4C26EEF29}" type="datetimeFigureOut">
               <a:rPr lang="en-SG" smtClean="0"/>
-              <a:t>6/12/2018</a:t>
+              <a:t>14/12/2018</a:t>
             </a:fld>
             <a:endParaRPr lang="en-SG"/>
           </a:p>
@@ -1823,7 +1823,7 @@
           <a:p>
             <a:fld id="{E6B29F7E-10B4-4321-AA2C-B0E4C26EEF29}" type="datetimeFigureOut">
               <a:rPr lang="en-SG" smtClean="0"/>
-              <a:t>6/12/2018</a:t>
+              <a:t>14/12/2018</a:t>
             </a:fld>
             <a:endParaRPr lang="en-SG"/>
           </a:p>
@@ -2100,7 +2100,7 @@
           <a:p>
             <a:fld id="{E6B29F7E-10B4-4321-AA2C-B0E4C26EEF29}" type="datetimeFigureOut">
               <a:rPr lang="en-SG" smtClean="0"/>
-              <a:t>6/12/2018</a:t>
+              <a:t>14/12/2018</a:t>
             </a:fld>
             <a:endParaRPr lang="en-SG"/>
           </a:p>
@@ -2353,7 +2353,7 @@
           <a:p>
             <a:fld id="{E6B29F7E-10B4-4321-AA2C-B0E4C26EEF29}" type="datetimeFigureOut">
               <a:rPr lang="en-SG" smtClean="0"/>
-              <a:t>6/12/2018</a:t>
+              <a:t>14/12/2018</a:t>
             </a:fld>
             <a:endParaRPr lang="en-SG"/>
           </a:p>
@@ -2566,7 +2566,7 @@
           <a:p>
             <a:fld id="{E6B29F7E-10B4-4321-AA2C-B0E4C26EEF29}" type="datetimeFigureOut">
               <a:rPr lang="en-SG" smtClean="0"/>
-              <a:t>6/12/2018</a:t>
+              <a:t>14/12/2018</a:t>
             </a:fld>
             <a:endParaRPr lang="en-SG"/>
           </a:p>
@@ -4766,11 +4766,7 @@
             <a:pPr algn="ctr"/>
             <a:r>
               <a:rPr lang="en-SG" dirty="0" smtClean="0"/>
-              <a:t>UI</a:t>
-            </a:r>
-            <a:r>
-              <a:rPr lang="en-SG" dirty="0" smtClean="0"/>
-              <a:t>?</a:t>
+              <a:t>UI?</a:t>
             </a:r>
           </a:p>
           <a:p>
@@ -4779,7 +4775,6 @@
               <a:rPr lang="en-SG" dirty="0" smtClean="0"/>
               <a:t>Data analysis view?</a:t>
             </a:r>
-            <a:endParaRPr lang="en-SG" dirty="0" smtClean="0"/>
           </a:p>
         </p:txBody>
       </p:sp>
@@ -5232,7 +5227,7 @@
         <p:spPr>
           <a:xfrm>
             <a:off x="436728" y="3577988"/>
-            <a:ext cx="5356210" cy="1477328"/>
+            <a:ext cx="5356210" cy="1754326"/>
           </a:xfrm>
           <a:prstGeom prst="rect">
             <a:avLst/>
@@ -5257,10 +5252,24 @@
             </a:r>
           </a:p>
           <a:p>
+            <a:pPr marL="285750" indent="-285750">
+              <a:buFontTx/>
+              <a:buChar char="-"/>
+            </a:pPr>
             <a:r>
               <a:rPr lang="en-SG" dirty="0" smtClean="0"/>
-              <a:t>- To all user group (age, medical condition)</a:t>
-            </a:r>
+              <a:t>To </a:t>
+            </a:r>
+            <a:r>
+              <a:rPr lang="en-SG" dirty="0" smtClean="0"/>
+              <a:t>all user group (age, medical condition</a:t>
+            </a:r>
+            <a:r>
+              <a:rPr lang="en-SG" dirty="0" smtClean="0"/>
+              <a:t>)</a:t>
+            </a:r>
+          </a:p>
+          <a:p>
             <a:endParaRPr lang="en-SG" dirty="0"/>
           </a:p>
           <a:p>

--- a/Documents/software architecture.pptx
+++ b/Documents/software architecture.pptx
@@ -245,7 +245,7 @@
           <a:p>
             <a:fld id="{E6B29F7E-10B4-4321-AA2C-B0E4C26EEF29}" type="datetimeFigureOut">
               <a:rPr lang="en-SG" smtClean="0"/>
-              <a:t>14/12/2018</a:t>
+              <a:t>18/12/2018</a:t>
             </a:fld>
             <a:endParaRPr lang="en-SG"/>
           </a:p>
@@ -415,7 +415,7 @@
           <a:p>
             <a:fld id="{E6B29F7E-10B4-4321-AA2C-B0E4C26EEF29}" type="datetimeFigureOut">
               <a:rPr lang="en-SG" smtClean="0"/>
-              <a:t>14/12/2018</a:t>
+              <a:t>18/12/2018</a:t>
             </a:fld>
             <a:endParaRPr lang="en-SG"/>
           </a:p>
@@ -595,7 +595,7 @@
           <a:p>
             <a:fld id="{E6B29F7E-10B4-4321-AA2C-B0E4C26EEF29}" type="datetimeFigureOut">
               <a:rPr lang="en-SG" smtClean="0"/>
-              <a:t>14/12/2018</a:t>
+              <a:t>18/12/2018</a:t>
             </a:fld>
             <a:endParaRPr lang="en-SG"/>
           </a:p>
@@ -765,7 +765,7 @@
           <a:p>
             <a:fld id="{E6B29F7E-10B4-4321-AA2C-B0E4C26EEF29}" type="datetimeFigureOut">
               <a:rPr lang="en-SG" smtClean="0"/>
-              <a:t>14/12/2018</a:t>
+              <a:t>18/12/2018</a:t>
             </a:fld>
             <a:endParaRPr lang="en-SG"/>
           </a:p>
@@ -1011,7 +1011,7 @@
           <a:p>
             <a:fld id="{E6B29F7E-10B4-4321-AA2C-B0E4C26EEF29}" type="datetimeFigureOut">
               <a:rPr lang="en-SG" smtClean="0"/>
-              <a:t>14/12/2018</a:t>
+              <a:t>18/12/2018</a:t>
             </a:fld>
             <a:endParaRPr lang="en-SG"/>
           </a:p>
@@ -1243,7 +1243,7 @@
           <a:p>
             <a:fld id="{E6B29F7E-10B4-4321-AA2C-B0E4C26EEF29}" type="datetimeFigureOut">
               <a:rPr lang="en-SG" smtClean="0"/>
-              <a:t>14/12/2018</a:t>
+              <a:t>18/12/2018</a:t>
             </a:fld>
             <a:endParaRPr lang="en-SG"/>
           </a:p>
@@ -1610,7 +1610,7 @@
           <a:p>
             <a:fld id="{E6B29F7E-10B4-4321-AA2C-B0E4C26EEF29}" type="datetimeFigureOut">
               <a:rPr lang="en-SG" smtClean="0"/>
-              <a:t>14/12/2018</a:t>
+              <a:t>18/12/2018</a:t>
             </a:fld>
             <a:endParaRPr lang="en-SG"/>
           </a:p>
@@ -1728,7 +1728,7 @@
           <a:p>
             <a:fld id="{E6B29F7E-10B4-4321-AA2C-B0E4C26EEF29}" type="datetimeFigureOut">
               <a:rPr lang="en-SG" smtClean="0"/>
-              <a:t>14/12/2018</a:t>
+              <a:t>18/12/2018</a:t>
             </a:fld>
             <a:endParaRPr lang="en-SG"/>
           </a:p>
@@ -1823,7 +1823,7 @@
           <a:p>
             <a:fld id="{E6B29F7E-10B4-4321-AA2C-B0E4C26EEF29}" type="datetimeFigureOut">
               <a:rPr lang="en-SG" smtClean="0"/>
-              <a:t>14/12/2018</a:t>
+              <a:t>18/12/2018</a:t>
             </a:fld>
             <a:endParaRPr lang="en-SG"/>
           </a:p>
@@ -2100,7 +2100,7 @@
           <a:p>
             <a:fld id="{E6B29F7E-10B4-4321-AA2C-B0E4C26EEF29}" type="datetimeFigureOut">
               <a:rPr lang="en-SG" smtClean="0"/>
-              <a:t>14/12/2018</a:t>
+              <a:t>18/12/2018</a:t>
             </a:fld>
             <a:endParaRPr lang="en-SG"/>
           </a:p>
@@ -2353,7 +2353,7 @@
           <a:p>
             <a:fld id="{E6B29F7E-10B4-4321-AA2C-B0E4C26EEF29}" type="datetimeFigureOut">
               <a:rPr lang="en-SG" smtClean="0"/>
-              <a:t>14/12/2018</a:t>
+              <a:t>18/12/2018</a:t>
             </a:fld>
             <a:endParaRPr lang="en-SG"/>
           </a:p>
@@ -2566,7 +2566,7 @@
           <a:p>
             <a:fld id="{E6B29F7E-10B4-4321-AA2C-B0E4C26EEF29}" type="datetimeFigureOut">
               <a:rPr lang="en-SG" smtClean="0"/>
-              <a:t>14/12/2018</a:t>
+              <a:t>18/12/2018</a:t>
             </a:fld>
             <a:endParaRPr lang="en-SG"/>
           </a:p>
@@ -5258,15 +5258,7 @@
             </a:pPr>
             <a:r>
               <a:rPr lang="en-SG" dirty="0" smtClean="0"/>
-              <a:t>To </a:t>
-            </a:r>
-            <a:r>
-              <a:rPr lang="en-SG" dirty="0" smtClean="0"/>
-              <a:t>all user group (age, medical condition</a:t>
-            </a:r>
-            <a:r>
-              <a:rPr lang="en-SG" dirty="0" smtClean="0"/>
-              <a:t>)</a:t>
+              <a:t>To all user group (age, medical condition)</a:t>
             </a:r>
           </a:p>
           <a:p>

--- a/Documents/software architecture.pptx
+++ b/Documents/software architecture.pptx
@@ -7,7 +7,8 @@
   <p:sldIdLst>
     <p:sldId id="256" r:id="rId2"/>
     <p:sldId id="257" r:id="rId3"/>
-    <p:sldId id="258" r:id="rId4"/>
+    <p:sldId id="259" r:id="rId4"/>
+    <p:sldId id="258" r:id="rId5"/>
   </p:sldIdLst>
   <p:sldSz cx="12192000" cy="6858000"/>
   <p:notesSz cx="6858000" cy="9144000"/>
@@ -245,7 +246,7 @@
           <a:p>
             <a:fld id="{E6B29F7E-10B4-4321-AA2C-B0E4C26EEF29}" type="datetimeFigureOut">
               <a:rPr lang="en-SG" smtClean="0"/>
-              <a:t>18/12/2018</a:t>
+              <a:t>24/12/2018</a:t>
             </a:fld>
             <a:endParaRPr lang="en-SG"/>
           </a:p>
@@ -415,7 +416,7 @@
           <a:p>
             <a:fld id="{E6B29F7E-10B4-4321-AA2C-B0E4C26EEF29}" type="datetimeFigureOut">
               <a:rPr lang="en-SG" smtClean="0"/>
-              <a:t>18/12/2018</a:t>
+              <a:t>24/12/2018</a:t>
             </a:fld>
             <a:endParaRPr lang="en-SG"/>
           </a:p>
@@ -595,7 +596,7 @@
           <a:p>
             <a:fld id="{E6B29F7E-10B4-4321-AA2C-B0E4C26EEF29}" type="datetimeFigureOut">
               <a:rPr lang="en-SG" smtClean="0"/>
-              <a:t>18/12/2018</a:t>
+              <a:t>24/12/2018</a:t>
             </a:fld>
             <a:endParaRPr lang="en-SG"/>
           </a:p>
@@ -765,7 +766,7 @@
           <a:p>
             <a:fld id="{E6B29F7E-10B4-4321-AA2C-B0E4C26EEF29}" type="datetimeFigureOut">
               <a:rPr lang="en-SG" smtClean="0"/>
-              <a:t>18/12/2018</a:t>
+              <a:t>24/12/2018</a:t>
             </a:fld>
             <a:endParaRPr lang="en-SG"/>
           </a:p>
@@ -1011,7 +1012,7 @@
           <a:p>
             <a:fld id="{E6B29F7E-10B4-4321-AA2C-B0E4C26EEF29}" type="datetimeFigureOut">
               <a:rPr lang="en-SG" smtClean="0"/>
-              <a:t>18/12/2018</a:t>
+              <a:t>24/12/2018</a:t>
             </a:fld>
             <a:endParaRPr lang="en-SG"/>
           </a:p>
@@ -1243,7 +1244,7 @@
           <a:p>
             <a:fld id="{E6B29F7E-10B4-4321-AA2C-B0E4C26EEF29}" type="datetimeFigureOut">
               <a:rPr lang="en-SG" smtClean="0"/>
-              <a:t>18/12/2018</a:t>
+              <a:t>24/12/2018</a:t>
             </a:fld>
             <a:endParaRPr lang="en-SG"/>
           </a:p>
@@ -1610,7 +1611,7 @@
           <a:p>
             <a:fld id="{E6B29F7E-10B4-4321-AA2C-B0E4C26EEF29}" type="datetimeFigureOut">
               <a:rPr lang="en-SG" smtClean="0"/>
-              <a:t>18/12/2018</a:t>
+              <a:t>24/12/2018</a:t>
             </a:fld>
             <a:endParaRPr lang="en-SG"/>
           </a:p>
@@ -1728,7 +1729,7 @@
           <a:p>
             <a:fld id="{E6B29F7E-10B4-4321-AA2C-B0E4C26EEF29}" type="datetimeFigureOut">
               <a:rPr lang="en-SG" smtClean="0"/>
-              <a:t>18/12/2018</a:t>
+              <a:t>24/12/2018</a:t>
             </a:fld>
             <a:endParaRPr lang="en-SG"/>
           </a:p>
@@ -1823,7 +1824,7 @@
           <a:p>
             <a:fld id="{E6B29F7E-10B4-4321-AA2C-B0E4C26EEF29}" type="datetimeFigureOut">
               <a:rPr lang="en-SG" smtClean="0"/>
-              <a:t>18/12/2018</a:t>
+              <a:t>24/12/2018</a:t>
             </a:fld>
             <a:endParaRPr lang="en-SG"/>
           </a:p>
@@ -2100,7 +2101,7 @@
           <a:p>
             <a:fld id="{E6B29F7E-10B4-4321-AA2C-B0E4C26EEF29}" type="datetimeFigureOut">
               <a:rPr lang="en-SG" smtClean="0"/>
-              <a:t>18/12/2018</a:t>
+              <a:t>24/12/2018</a:t>
             </a:fld>
             <a:endParaRPr lang="en-SG"/>
           </a:p>
@@ -2353,7 +2354,7 @@
           <a:p>
             <a:fld id="{E6B29F7E-10B4-4321-AA2C-B0E4C26EEF29}" type="datetimeFigureOut">
               <a:rPr lang="en-SG" smtClean="0"/>
-              <a:t>18/12/2018</a:t>
+              <a:t>24/12/2018</a:t>
             </a:fld>
             <a:endParaRPr lang="en-SG"/>
           </a:p>
@@ -2566,7 +2567,7 @@
           <a:p>
             <a:fld id="{E6B29F7E-10B4-4321-AA2C-B0E4C26EEF29}" type="datetimeFigureOut">
               <a:rPr lang="en-SG" smtClean="0"/>
-              <a:t>18/12/2018</a:t>
+              <a:t>24/12/2018</a:t>
             </a:fld>
             <a:endParaRPr lang="en-SG"/>
           </a:p>
@@ -3071,8 +3072,8 @@
         </p:nvSpPr>
         <p:spPr>
           <a:xfrm>
-            <a:off x="9932680" y="5585882"/>
-            <a:ext cx="1206852" cy="1089058"/>
+            <a:off x="9847477" y="5439968"/>
+            <a:ext cx="1371507" cy="1234972"/>
           </a:xfrm>
           <a:prstGeom prst="can">
             <a:avLst/>
@@ -3101,7 +3102,21 @@
             <a:pPr algn="ctr"/>
             <a:r>
               <a:rPr lang="en-SG" dirty="0" smtClean="0"/>
-              <a:t>HANA</a:t>
+              <a:t>SAP</a:t>
+            </a:r>
+          </a:p>
+          <a:p>
+            <a:pPr algn="ctr"/>
+            <a:r>
+              <a:rPr lang="en-SG" dirty="0" smtClean="0"/>
+              <a:t>Cloud</a:t>
+            </a:r>
+          </a:p>
+          <a:p>
+            <a:pPr algn="ctr"/>
+            <a:r>
+              <a:rPr lang="en-SG" dirty="0" smtClean="0"/>
+              <a:t>Platform</a:t>
             </a:r>
             <a:endParaRPr lang="en-SG" dirty="0"/>
           </a:p>
@@ -4444,16 +4459,16 @@
       </p:grpSpPr>
       <p:sp>
         <p:nvSpPr>
-          <p:cNvPr id="2" name="Teardrop 1"/>
+          <p:cNvPr id="2" name="Round Diagonal Corner Rectangle 1"/>
           <p:cNvSpPr/>
           <p:nvPr/>
         </p:nvSpPr>
         <p:spPr>
           <a:xfrm>
-            <a:off x="313506" y="4576081"/>
-            <a:ext cx="2338252" cy="1789612"/>
-          </a:xfrm>
-          <a:prstGeom prst="teardrop">
+            <a:off x="208367" y="5169877"/>
+            <a:ext cx="1847546" cy="1042263"/>
+          </a:xfrm>
+          <a:prstGeom prst="round2DiagRect">
             <a:avLst/>
           </a:prstGeom>
           <a:solidFill>
@@ -4512,8 +4527,8 @@
         </p:nvSpPr>
         <p:spPr>
           <a:xfrm>
-            <a:off x="604001" y="845066"/>
-            <a:ext cx="1757264" cy="1963448"/>
+            <a:off x="208367" y="633046"/>
+            <a:ext cx="1847546" cy="2769577"/>
           </a:xfrm>
           <a:prstGeom prst="rect">
             <a:avLst/>
@@ -4534,13 +4549,25 @@
           </a:fontRef>
         </p:style>
         <p:txBody>
-          <a:bodyPr rtlCol="0" anchor="t"/>
-          <a:lstStyle/>
-          <a:p>
-            <a:pPr algn="ctr"/>
-            <a:r>
-              <a:rPr lang="en-SG" dirty="0" smtClean="0"/>
-              <a:t>Android App</a:t>
+          <a:bodyPr rtlCol="0" anchor="ctr"/>
+          <a:lstStyle/>
+          <a:p>
+            <a:pPr algn="ctr"/>
+            <a:r>
+              <a:rPr lang="en-SG" dirty="0" err="1"/>
+              <a:t>SmartBackpack</a:t>
+            </a:r>
+            <a:endParaRPr lang="en-SG" dirty="0"/>
+          </a:p>
+          <a:p>
+            <a:pPr algn="ctr"/>
+            <a:r>
+              <a:rPr lang="en-SG" dirty="0" smtClean="0"/>
+              <a:t>Android </a:t>
+            </a:r>
+            <a:r>
+              <a:rPr lang="en-SG" dirty="0" smtClean="0"/>
+              <a:t>App</a:t>
             </a:r>
             <a:endParaRPr lang="en-SG" dirty="0"/>
           </a:p>
@@ -4554,8 +4581,8 @@
         </p:nvSpPr>
         <p:spPr>
           <a:xfrm>
-            <a:off x="4051353" y="318030"/>
-            <a:ext cx="7731344" cy="6174209"/>
+            <a:off x="3196352" y="174842"/>
+            <a:ext cx="8813939" cy="6498520"/>
           </a:xfrm>
           <a:prstGeom prst="rect">
             <a:avLst/>
@@ -4587,7 +4614,11 @@
             <a:pPr algn="ctr"/>
             <a:r>
               <a:rPr lang="en-SG" dirty="0" smtClean="0"/>
-              <a:t>SAP HCP</a:t>
+              <a:t>SAP </a:t>
+            </a:r>
+            <a:r>
+              <a:rPr lang="en-SG" dirty="0" smtClean="0"/>
+              <a:t>Cloud Platform</a:t>
             </a:r>
             <a:endParaRPr lang="en-SG" dirty="0"/>
           </a:p>
@@ -4601,8 +4632,8 @@
         </p:nvSpPr>
         <p:spPr>
           <a:xfrm>
-            <a:off x="4893284" y="895308"/>
-            <a:ext cx="1757264" cy="1963448"/>
+            <a:off x="7355644" y="1834085"/>
+            <a:ext cx="771074" cy="4378056"/>
           </a:xfrm>
           <a:prstGeom prst="rect">
             <a:avLst/>
@@ -4628,33 +4659,21 @@
           </a:fontRef>
         </p:style>
         <p:txBody>
-          <a:bodyPr rtlCol="0" anchor="t"/>
-          <a:lstStyle/>
-          <a:p>
-            <a:pPr algn="ctr"/>
-            <a:r>
-              <a:rPr lang="en-SG" dirty="0" smtClean="0"/>
-              <a:t>SAP HCP IOT</a:t>
-            </a:r>
-          </a:p>
-          <a:p>
-            <a:pPr algn="ctr"/>
-            <a:endParaRPr lang="en-SG" dirty="0"/>
-          </a:p>
-          <a:p>
-            <a:pPr algn="ctr"/>
-            <a:r>
-              <a:rPr lang="en-SG" dirty="0" smtClean="0"/>
-              <a:t>Sensor reading</a:t>
-            </a:r>
-          </a:p>
-          <a:p>
-            <a:pPr algn="ctr"/>
-            <a:r>
-              <a:rPr lang="en-SG" dirty="0" smtClean="0"/>
-              <a:t>Dashboard</a:t>
-            </a:r>
-            <a:endParaRPr lang="en-SG" dirty="0"/>
+          <a:bodyPr rtlCol="0" anchor="ctr"/>
+          <a:lstStyle/>
+          <a:p>
+            <a:pPr algn="ctr"/>
+            <a:r>
+              <a:rPr lang="en-SG" dirty="0" smtClean="0"/>
+              <a:t>HANA</a:t>
+            </a:r>
+          </a:p>
+          <a:p>
+            <a:pPr algn="ctr"/>
+            <a:r>
+              <a:rPr lang="en-SG" dirty="0" smtClean="0"/>
+              <a:t>XS</a:t>
+            </a:r>
           </a:p>
         </p:txBody>
       </p:sp>
@@ -4666,8 +4685,8 @@
         </p:nvSpPr>
         <p:spPr>
           <a:xfrm>
-            <a:off x="9496074" y="2604282"/>
-            <a:ext cx="1757264" cy="1963448"/>
+            <a:off x="9991318" y="4248692"/>
+            <a:ext cx="1573668" cy="1963448"/>
           </a:xfrm>
           <a:prstGeom prst="can">
             <a:avLst/>
@@ -4688,26 +4707,23 @@
           </a:fontRef>
         </p:style>
         <p:txBody>
-          <a:bodyPr rtlCol="0" anchor="t"/>
-          <a:lstStyle/>
-          <a:p>
-            <a:pPr algn="ctr"/>
-            <a:r>
-              <a:rPr lang="en-SG" dirty="0" smtClean="0"/>
-              <a:t>SAP HANA DB</a:t>
-            </a:r>
-          </a:p>
-          <a:p>
-            <a:pPr algn="ctr"/>
-            <a:endParaRPr lang="en-SG" dirty="0"/>
-          </a:p>
-          <a:p>
-            <a:pPr algn="ctr"/>
-            <a:r>
-              <a:rPr lang="en-SG" dirty="0" smtClean="0"/>
-              <a:t>Sensor Data?</a:t>
-            </a:r>
-            <a:endParaRPr lang="en-SG" dirty="0"/>
+          <a:bodyPr rtlCol="0" anchor="ctr"/>
+          <a:lstStyle/>
+          <a:p>
+            <a:pPr algn="ctr"/>
+            <a:r>
+              <a:rPr lang="en-SG" dirty="0" smtClean="0"/>
+              <a:t>SAP HANA </a:t>
+            </a:r>
+            <a:endParaRPr lang="en-SG" dirty="0" smtClean="0"/>
+          </a:p>
+          <a:p>
+            <a:pPr algn="ctr"/>
+            <a:r>
+              <a:rPr lang="en-SG" dirty="0" smtClean="0"/>
+              <a:t>DB</a:t>
+            </a:r>
+            <a:endParaRPr lang="en-SG" dirty="0" smtClean="0"/>
           </a:p>
         </p:txBody>
       </p:sp>
@@ -4719,7 +4735,7 @@
         </p:nvSpPr>
         <p:spPr>
           <a:xfrm>
-            <a:off x="4904171" y="4181120"/>
+            <a:off x="3733778" y="4248692"/>
             <a:ext cx="1757264" cy="1963448"/>
           </a:xfrm>
           <a:prstGeom prst="rect">
@@ -4744,14 +4760,25 @@
           </a:fontRef>
         </p:style>
         <p:txBody>
-          <a:bodyPr rtlCol="0" anchor="t"/>
-          <a:lstStyle/>
-          <a:p>
-            <a:pPr algn="ctr"/>
-            <a:r>
-              <a:rPr lang="en-SG" dirty="0" smtClean="0"/>
-              <a:t>SAP Java </a:t>
-            </a:r>
+          <a:bodyPr rtlCol="0" anchor="ctr"/>
+          <a:lstStyle/>
+          <a:p>
+            <a:pPr algn="ctr"/>
+            <a:r>
+              <a:rPr lang="en-SG" dirty="0" err="1"/>
+              <a:t>SmartBackpack</a:t>
+            </a:r>
+            <a:endParaRPr lang="en-SG" dirty="0"/>
+          </a:p>
+          <a:p>
+            <a:pPr algn="ctr"/>
+            <a:r>
+              <a:rPr lang="en-SG" dirty="0" smtClean="0"/>
+              <a:t>SAPUI5</a:t>
+            </a:r>
+          </a:p>
+          <a:p>
+            <a:pPr algn="ctr"/>
             <a:r>
               <a:rPr lang="en-SG" dirty="0" err="1" smtClean="0"/>
               <a:t>Webapp</a:t>
@@ -4760,21 +4787,11 @@
           </a:p>
           <a:p>
             <a:pPr algn="ctr"/>
-            <a:endParaRPr lang="en-SG" dirty="0"/>
-          </a:p>
-          <a:p>
-            <a:pPr algn="ctr"/>
-            <a:r>
-              <a:rPr lang="en-SG" dirty="0" smtClean="0"/>
-              <a:t>UI?</a:t>
-            </a:r>
-          </a:p>
-          <a:p>
-            <a:pPr algn="ctr"/>
-            <a:r>
-              <a:rPr lang="en-SG" dirty="0" smtClean="0"/>
-              <a:t>Data analysis view?</a:t>
-            </a:r>
+            <a:r>
+              <a:rPr lang="en-SG" dirty="0" smtClean="0"/>
+              <a:t>Admin/User</a:t>
+            </a:r>
+            <a:endParaRPr lang="en-SG" dirty="0" smtClean="0"/>
           </a:p>
         </p:txBody>
       </p:sp>
@@ -4786,8 +4803,8 @@
         </p:nvSpPr>
         <p:spPr>
           <a:xfrm>
-            <a:off x="1097278" y="2863342"/>
-            <a:ext cx="770709" cy="1602461"/>
+            <a:off x="757064" y="3560695"/>
+            <a:ext cx="770709" cy="1506057"/>
           </a:xfrm>
           <a:prstGeom prst="upDownArrow">
             <a:avLst/>
@@ -4830,8 +4847,8 @@
         </p:nvSpPr>
         <p:spPr>
           <a:xfrm>
-            <a:off x="2464523" y="1447967"/>
-            <a:ext cx="2210735" cy="757646"/>
+            <a:off x="2129785" y="1834085"/>
+            <a:ext cx="5050916" cy="757646"/>
           </a:xfrm>
           <a:prstGeom prst="rightArrow">
             <a:avLst/>
@@ -4859,8 +4876,12 @@
           <a:p>
             <a:pPr algn="ctr"/>
             <a:r>
-              <a:rPr lang="en-SG" dirty="0" smtClean="0"/>
-              <a:t>HTTP </a:t>
+              <a:rPr lang="en-SG" dirty="0" err="1"/>
+              <a:t>odata</a:t>
+            </a:r>
+            <a:r>
+              <a:rPr lang="en-SG" dirty="0"/>
+              <a:t> </a:t>
             </a:r>
             <a:endParaRPr lang="en-SG" dirty="0"/>
           </a:p>
@@ -4868,16 +4889,16 @@
       </p:sp>
       <p:sp>
         <p:nvSpPr>
-          <p:cNvPr id="10" name="Right Arrow 9"/>
+          <p:cNvPr id="10" name="Left-Right Arrow 9"/>
           <p:cNvSpPr/>
           <p:nvPr/>
         </p:nvSpPr>
         <p:spPr>
-          <a:xfrm rot="1798054">
-            <a:off x="7103473" y="1949463"/>
-            <a:ext cx="2210735" cy="757646"/>
-          </a:xfrm>
-          <a:prstGeom prst="rightArrow">
+          <a:xfrm>
+            <a:off x="8338290" y="4817431"/>
+            <a:ext cx="1441456" cy="757646"/>
+          </a:xfrm>
+          <a:prstGeom prst="leftRightArrow">
             <a:avLst/>
           </a:prstGeom>
         </p:spPr>
@@ -4908,14 +4929,14 @@
       </p:sp>
       <p:sp>
         <p:nvSpPr>
-          <p:cNvPr id="11" name="Right Arrow 10"/>
+          <p:cNvPr id="12" name="Right Arrow 11"/>
           <p:cNvSpPr/>
           <p:nvPr/>
         </p:nvSpPr>
         <p:spPr>
-          <a:xfrm rot="8897950">
-            <a:off x="6866484" y="4188907"/>
-            <a:ext cx="2210735" cy="757646"/>
+          <a:xfrm rot="16200000">
+            <a:off x="9754599" y="2662566"/>
+            <a:ext cx="2047107" cy="757646"/>
           </a:xfrm>
           <a:prstGeom prst="rightArrow">
             <a:avLst/>
@@ -4942,7 +4963,196 @@
           <a:lstStyle/>
           <a:p>
             <a:pPr algn="ctr"/>
-            <a:endParaRPr lang="en-SG"/>
+            <a:r>
+              <a:rPr lang="en-SG" dirty="0" smtClean="0"/>
+              <a:t> User Data</a:t>
+            </a:r>
+            <a:endParaRPr lang="en-SG" dirty="0"/>
+          </a:p>
+        </p:txBody>
+      </p:sp>
+      <p:sp>
+        <p:nvSpPr>
+          <p:cNvPr id="13" name="Rectangle 12"/>
+          <p:cNvSpPr/>
+          <p:nvPr/>
+        </p:nvSpPr>
+        <p:spPr>
+          <a:xfrm>
+            <a:off x="9991318" y="657224"/>
+            <a:ext cx="1573668" cy="1176861"/>
+          </a:xfrm>
+          <a:prstGeom prst="rect">
+            <a:avLst/>
+          </a:prstGeom>
+          <a:solidFill>
+            <a:schemeClr val="accent5"/>
+          </a:solidFill>
+        </p:spPr>
+        <p:style>
+          <a:lnRef idx="3">
+            <a:schemeClr val="lt1"/>
+          </a:lnRef>
+          <a:fillRef idx="1">
+            <a:schemeClr val="accent6"/>
+          </a:fillRef>
+          <a:effectRef idx="1">
+            <a:schemeClr val="accent6"/>
+          </a:effectRef>
+          <a:fontRef idx="minor">
+            <a:schemeClr val="lt1"/>
+          </a:fontRef>
+        </p:style>
+        <p:txBody>
+          <a:bodyPr rtlCol="0" anchor="ctr"/>
+          <a:lstStyle/>
+          <a:p>
+            <a:pPr algn="ctr"/>
+            <a:r>
+              <a:rPr lang="en-SG" dirty="0" smtClean="0"/>
+              <a:t>ML</a:t>
+            </a:r>
+            <a:endParaRPr lang="en-SG" dirty="0" smtClean="0"/>
+          </a:p>
+        </p:txBody>
+      </p:sp>
+      <p:sp>
+        <p:nvSpPr>
+          <p:cNvPr id="14" name="Left Arrow 13"/>
+          <p:cNvSpPr/>
+          <p:nvPr/>
+        </p:nvSpPr>
+        <p:spPr>
+          <a:xfrm>
+            <a:off x="2129785" y="657224"/>
+            <a:ext cx="7670726" cy="757646"/>
+          </a:xfrm>
+          <a:prstGeom prst="leftArrow">
+            <a:avLst/>
+          </a:prstGeom>
+        </p:spPr>
+        <p:style>
+          <a:lnRef idx="2">
+            <a:schemeClr val="accent4">
+              <a:shade val="50000"/>
+            </a:schemeClr>
+          </a:lnRef>
+          <a:fillRef idx="1">
+            <a:schemeClr val="accent4"/>
+          </a:fillRef>
+          <a:effectRef idx="0">
+            <a:schemeClr val="accent4"/>
+          </a:effectRef>
+          <a:fontRef idx="minor">
+            <a:schemeClr val="lt1"/>
+          </a:fontRef>
+        </p:style>
+        <p:txBody>
+          <a:bodyPr rtlCol="0" anchor="ctr"/>
+          <a:lstStyle/>
+          <a:p>
+            <a:pPr algn="ctr"/>
+            <a:r>
+              <a:rPr lang="en-SG" dirty="0" smtClean="0"/>
+              <a:t>Predictive Analytic </a:t>
+            </a:r>
+            <a:endParaRPr lang="en-SG" dirty="0"/>
+          </a:p>
+        </p:txBody>
+      </p:sp>
+      <p:sp>
+        <p:nvSpPr>
+          <p:cNvPr id="15" name="Left-Right Arrow 14"/>
+          <p:cNvSpPr/>
+          <p:nvPr/>
+        </p:nvSpPr>
+        <p:spPr>
+          <a:xfrm>
+            <a:off x="5702615" y="4791054"/>
+            <a:ext cx="1441456" cy="757646"/>
+          </a:xfrm>
+          <a:prstGeom prst="leftRightArrow">
+            <a:avLst/>
+          </a:prstGeom>
+        </p:spPr>
+        <p:style>
+          <a:lnRef idx="2">
+            <a:schemeClr val="accent4">
+              <a:shade val="50000"/>
+            </a:schemeClr>
+          </a:lnRef>
+          <a:fillRef idx="1">
+            <a:schemeClr val="accent4"/>
+          </a:fillRef>
+          <a:effectRef idx="0">
+            <a:schemeClr val="accent4"/>
+          </a:effectRef>
+          <a:fontRef idx="minor">
+            <a:schemeClr val="lt1"/>
+          </a:fontRef>
+        </p:style>
+        <p:txBody>
+          <a:bodyPr rtlCol="0" anchor="ctr"/>
+          <a:lstStyle/>
+          <a:p>
+            <a:pPr algn="ctr"/>
+            <a:r>
+              <a:rPr lang="en-SG" dirty="0" err="1" smtClean="0"/>
+              <a:t>odata</a:t>
+            </a:r>
+            <a:endParaRPr lang="en-SG" dirty="0"/>
+          </a:p>
+        </p:txBody>
+      </p:sp>
+      <p:sp>
+        <p:nvSpPr>
+          <p:cNvPr id="16" name="Bent-Up Arrow 15"/>
+          <p:cNvSpPr/>
+          <p:nvPr/>
+        </p:nvSpPr>
+        <p:spPr>
+          <a:xfrm rot="16200000">
+            <a:off x="2741736" y="2060329"/>
+            <a:ext cx="1446713" cy="2635850"/>
+          </a:xfrm>
+          <a:prstGeom prst="bentUpArrow">
+            <a:avLst>
+              <a:gd name="adj1" fmla="val 27631"/>
+              <a:gd name="adj2" fmla="val 25029"/>
+              <a:gd name="adj3" fmla="val 28721"/>
+            </a:avLst>
+          </a:prstGeom>
+        </p:spPr>
+        <p:style>
+          <a:lnRef idx="2">
+            <a:schemeClr val="accent4">
+              <a:shade val="50000"/>
+            </a:schemeClr>
+          </a:lnRef>
+          <a:fillRef idx="1">
+            <a:schemeClr val="accent4"/>
+          </a:fillRef>
+          <a:effectRef idx="0">
+            <a:schemeClr val="accent4"/>
+          </a:effectRef>
+          <a:fontRef idx="minor">
+            <a:schemeClr val="lt1"/>
+          </a:fontRef>
+        </p:style>
+        <p:txBody>
+          <a:bodyPr rtlCol="0" anchor="ctr"/>
+          <a:lstStyle/>
+          <a:p>
+            <a:pPr algn="ctr"/>
+            <a:r>
+              <a:rPr lang="en-SG" dirty="0" smtClean="0"/>
+              <a:t>HTML</a:t>
+            </a:r>
+            <a:r>
+              <a:rPr lang="en-SG" dirty="0" smtClean="0"/>
+              <a:t> </a:t>
+            </a:r>
+            <a:endParaRPr lang="en-SG" dirty="0"/>
           </a:p>
         </p:txBody>
       </p:sp>
@@ -4960,6 +5170,540 @@
 </file>
 
 <file path=ppt/slides/slide3.xml><?xml version="1.0" encoding="utf-8"?>
+<p:sld xmlns:a="http://schemas.openxmlformats.org/drawingml/2006/main" xmlns:r="http://schemas.openxmlformats.org/officeDocument/2006/relationships" xmlns:p="http://schemas.openxmlformats.org/presentationml/2006/main">
+  <p:cSld>
+    <p:spTree>
+      <p:nvGrpSpPr>
+        <p:cNvPr id="1" name=""/>
+        <p:cNvGrpSpPr/>
+        <p:nvPr/>
+      </p:nvGrpSpPr>
+      <p:grpSpPr>
+        <a:xfrm>
+          <a:off x="0" y="0"/>
+          <a:ext cx="0" cy="0"/>
+          <a:chOff x="0" y="0"/>
+          <a:chExt cx="0" cy="0"/>
+        </a:xfrm>
+      </p:grpSpPr>
+      <p:sp>
+        <p:nvSpPr>
+          <p:cNvPr id="2" name="Teardrop 1"/>
+          <p:cNvSpPr/>
+          <p:nvPr/>
+        </p:nvSpPr>
+        <p:spPr>
+          <a:xfrm>
+            <a:off x="313506" y="4576081"/>
+            <a:ext cx="2338252" cy="1789612"/>
+          </a:xfrm>
+          <a:prstGeom prst="teardrop">
+            <a:avLst/>
+          </a:prstGeom>
+          <a:solidFill>
+            <a:srgbClr val="E87C6A"/>
+          </a:solidFill>
+        </p:spPr>
+        <p:style>
+          <a:lnRef idx="2">
+            <a:schemeClr val="accent1">
+              <a:shade val="50000"/>
+            </a:schemeClr>
+          </a:lnRef>
+          <a:fillRef idx="1">
+            <a:schemeClr val="accent1"/>
+          </a:fillRef>
+          <a:effectRef idx="0">
+            <a:schemeClr val="accent1"/>
+          </a:effectRef>
+          <a:fontRef idx="minor">
+            <a:schemeClr val="lt1"/>
+          </a:fontRef>
+        </p:style>
+        <p:txBody>
+          <a:bodyPr rtlCol="0" anchor="ctr"/>
+          <a:lstStyle/>
+          <a:p>
+            <a:pPr algn="ctr"/>
+            <a:r>
+              <a:rPr lang="en-SG" dirty="0" err="1" smtClean="0"/>
+              <a:t>SmartBackpack</a:t>
+            </a:r>
+            <a:endParaRPr lang="en-SG" dirty="0" smtClean="0"/>
+          </a:p>
+          <a:p>
+            <a:pPr algn="ctr"/>
+            <a:r>
+              <a:rPr lang="en-SG" dirty="0" smtClean="0"/>
+              <a:t>IOT</a:t>
+            </a:r>
+          </a:p>
+          <a:p>
+            <a:pPr algn="ctr"/>
+            <a:r>
+              <a:rPr lang="en-SG" dirty="0" smtClean="0"/>
+              <a:t>Device</a:t>
+            </a:r>
+            <a:endParaRPr lang="en-SG" dirty="0"/>
+          </a:p>
+        </p:txBody>
+      </p:sp>
+      <p:sp>
+        <p:nvSpPr>
+          <p:cNvPr id="3" name="Rectangle 2"/>
+          <p:cNvSpPr/>
+          <p:nvPr/>
+        </p:nvSpPr>
+        <p:spPr>
+          <a:xfrm>
+            <a:off x="604001" y="845066"/>
+            <a:ext cx="1757264" cy="1963448"/>
+          </a:xfrm>
+          <a:prstGeom prst="rect">
+            <a:avLst/>
+          </a:prstGeom>
+        </p:spPr>
+        <p:style>
+          <a:lnRef idx="3">
+            <a:schemeClr val="lt1"/>
+          </a:lnRef>
+          <a:fillRef idx="1">
+            <a:schemeClr val="accent6"/>
+          </a:fillRef>
+          <a:effectRef idx="1">
+            <a:schemeClr val="accent6"/>
+          </a:effectRef>
+          <a:fontRef idx="minor">
+            <a:schemeClr val="lt1"/>
+          </a:fontRef>
+        </p:style>
+        <p:txBody>
+          <a:bodyPr rtlCol="0" anchor="t"/>
+          <a:lstStyle/>
+          <a:p>
+            <a:pPr algn="ctr"/>
+            <a:r>
+              <a:rPr lang="en-SG" dirty="0" smtClean="0"/>
+              <a:t>Android App</a:t>
+            </a:r>
+            <a:endParaRPr lang="en-SG" dirty="0"/>
+          </a:p>
+        </p:txBody>
+      </p:sp>
+      <p:sp>
+        <p:nvSpPr>
+          <p:cNvPr id="4" name="Rectangle 3"/>
+          <p:cNvSpPr/>
+          <p:nvPr/>
+        </p:nvSpPr>
+        <p:spPr>
+          <a:xfrm>
+            <a:off x="4051353" y="318030"/>
+            <a:ext cx="7731344" cy="6174209"/>
+          </a:xfrm>
+          <a:prstGeom prst="rect">
+            <a:avLst/>
+          </a:prstGeom>
+          <a:solidFill>
+            <a:schemeClr val="accent1">
+              <a:lumMod val="50000"/>
+            </a:schemeClr>
+          </a:solidFill>
+        </p:spPr>
+        <p:style>
+          <a:lnRef idx="3">
+            <a:schemeClr val="lt1"/>
+          </a:lnRef>
+          <a:fillRef idx="1">
+            <a:schemeClr val="accent6"/>
+          </a:fillRef>
+          <a:effectRef idx="1">
+            <a:schemeClr val="accent6"/>
+          </a:effectRef>
+          <a:fontRef idx="minor">
+            <a:schemeClr val="lt1"/>
+          </a:fontRef>
+        </p:style>
+        <p:txBody>
+          <a:bodyPr rtlCol="0" anchor="t"/>
+          <a:lstStyle/>
+          <a:p>
+            <a:pPr algn="ctr"/>
+            <a:r>
+              <a:rPr lang="en-SG" dirty="0" smtClean="0"/>
+              <a:t>SAP HCP</a:t>
+            </a:r>
+            <a:endParaRPr lang="en-SG" dirty="0"/>
+          </a:p>
+        </p:txBody>
+      </p:sp>
+      <p:sp>
+        <p:nvSpPr>
+          <p:cNvPr id="5" name="Rectangle 4"/>
+          <p:cNvSpPr/>
+          <p:nvPr/>
+        </p:nvSpPr>
+        <p:spPr>
+          <a:xfrm>
+            <a:off x="4893284" y="895308"/>
+            <a:ext cx="1757264" cy="1963448"/>
+          </a:xfrm>
+          <a:prstGeom prst="rect">
+            <a:avLst/>
+          </a:prstGeom>
+          <a:solidFill>
+            <a:schemeClr val="accent2">
+              <a:lumMod val="75000"/>
+            </a:schemeClr>
+          </a:solidFill>
+        </p:spPr>
+        <p:style>
+          <a:lnRef idx="3">
+            <a:schemeClr val="lt1"/>
+          </a:lnRef>
+          <a:fillRef idx="1">
+            <a:schemeClr val="accent6"/>
+          </a:fillRef>
+          <a:effectRef idx="1">
+            <a:schemeClr val="accent6"/>
+          </a:effectRef>
+          <a:fontRef idx="minor">
+            <a:schemeClr val="lt1"/>
+          </a:fontRef>
+        </p:style>
+        <p:txBody>
+          <a:bodyPr rtlCol="0" anchor="t"/>
+          <a:lstStyle/>
+          <a:p>
+            <a:pPr algn="ctr"/>
+            <a:r>
+              <a:rPr lang="en-SG" dirty="0" smtClean="0"/>
+              <a:t>SAP HCP IOT</a:t>
+            </a:r>
+          </a:p>
+          <a:p>
+            <a:pPr algn="ctr"/>
+            <a:endParaRPr lang="en-SG" dirty="0"/>
+          </a:p>
+          <a:p>
+            <a:pPr algn="ctr"/>
+            <a:r>
+              <a:rPr lang="en-SG" dirty="0" smtClean="0"/>
+              <a:t>Sensor reading</a:t>
+            </a:r>
+          </a:p>
+          <a:p>
+            <a:pPr algn="ctr"/>
+            <a:r>
+              <a:rPr lang="en-SG" dirty="0" smtClean="0"/>
+              <a:t>Dashboard</a:t>
+            </a:r>
+            <a:endParaRPr lang="en-SG" dirty="0"/>
+          </a:p>
+        </p:txBody>
+      </p:sp>
+      <p:sp>
+        <p:nvSpPr>
+          <p:cNvPr id="6" name="Can 5"/>
+          <p:cNvSpPr/>
+          <p:nvPr/>
+        </p:nvSpPr>
+        <p:spPr>
+          <a:xfrm>
+            <a:off x="9496074" y="2604282"/>
+            <a:ext cx="1757264" cy="1963448"/>
+          </a:xfrm>
+          <a:prstGeom prst="can">
+            <a:avLst/>
+          </a:prstGeom>
+        </p:spPr>
+        <p:style>
+          <a:lnRef idx="3">
+            <a:schemeClr val="lt1"/>
+          </a:lnRef>
+          <a:fillRef idx="1">
+            <a:schemeClr val="accent6"/>
+          </a:fillRef>
+          <a:effectRef idx="1">
+            <a:schemeClr val="accent6"/>
+          </a:effectRef>
+          <a:fontRef idx="minor">
+            <a:schemeClr val="lt1"/>
+          </a:fontRef>
+        </p:style>
+        <p:txBody>
+          <a:bodyPr rtlCol="0" anchor="t"/>
+          <a:lstStyle/>
+          <a:p>
+            <a:pPr algn="ctr"/>
+            <a:r>
+              <a:rPr lang="en-SG" dirty="0" smtClean="0"/>
+              <a:t>SAP HANA DB</a:t>
+            </a:r>
+          </a:p>
+          <a:p>
+            <a:pPr algn="ctr"/>
+            <a:endParaRPr lang="en-SG" dirty="0"/>
+          </a:p>
+          <a:p>
+            <a:pPr algn="ctr"/>
+            <a:r>
+              <a:rPr lang="en-SG" dirty="0" smtClean="0"/>
+              <a:t>Sensor Data?</a:t>
+            </a:r>
+            <a:endParaRPr lang="en-SG" dirty="0"/>
+          </a:p>
+        </p:txBody>
+      </p:sp>
+      <p:sp>
+        <p:nvSpPr>
+          <p:cNvPr id="7" name="Rectangle 6"/>
+          <p:cNvSpPr/>
+          <p:nvPr/>
+        </p:nvSpPr>
+        <p:spPr>
+          <a:xfrm>
+            <a:off x="4904171" y="4181120"/>
+            <a:ext cx="1757264" cy="1963448"/>
+          </a:xfrm>
+          <a:prstGeom prst="rect">
+            <a:avLst/>
+          </a:prstGeom>
+          <a:solidFill>
+            <a:schemeClr val="accent5"/>
+          </a:solidFill>
+        </p:spPr>
+        <p:style>
+          <a:lnRef idx="3">
+            <a:schemeClr val="lt1"/>
+          </a:lnRef>
+          <a:fillRef idx="1">
+            <a:schemeClr val="accent6"/>
+          </a:fillRef>
+          <a:effectRef idx="1">
+            <a:schemeClr val="accent6"/>
+          </a:effectRef>
+          <a:fontRef idx="minor">
+            <a:schemeClr val="lt1"/>
+          </a:fontRef>
+        </p:style>
+        <p:txBody>
+          <a:bodyPr rtlCol="0" anchor="t"/>
+          <a:lstStyle/>
+          <a:p>
+            <a:pPr algn="ctr"/>
+            <a:r>
+              <a:rPr lang="en-SG" dirty="0" smtClean="0"/>
+              <a:t>SAP Java </a:t>
+            </a:r>
+            <a:r>
+              <a:rPr lang="en-SG" dirty="0" err="1" smtClean="0"/>
+              <a:t>Webapp</a:t>
+            </a:r>
+            <a:endParaRPr lang="en-SG" dirty="0" smtClean="0"/>
+          </a:p>
+          <a:p>
+            <a:pPr algn="ctr"/>
+            <a:endParaRPr lang="en-SG" dirty="0"/>
+          </a:p>
+          <a:p>
+            <a:pPr algn="ctr"/>
+            <a:r>
+              <a:rPr lang="en-SG" dirty="0" smtClean="0"/>
+              <a:t>UI?</a:t>
+            </a:r>
+          </a:p>
+          <a:p>
+            <a:pPr algn="ctr"/>
+            <a:r>
+              <a:rPr lang="en-SG" dirty="0" smtClean="0"/>
+              <a:t>Data analysis view?</a:t>
+            </a:r>
+          </a:p>
+        </p:txBody>
+      </p:sp>
+      <p:sp>
+        <p:nvSpPr>
+          <p:cNvPr id="8" name="Up-Down Arrow 7"/>
+          <p:cNvSpPr/>
+          <p:nvPr/>
+        </p:nvSpPr>
+        <p:spPr>
+          <a:xfrm>
+            <a:off x="1097278" y="2863342"/>
+            <a:ext cx="770709" cy="1602461"/>
+          </a:xfrm>
+          <a:prstGeom prst="upDownArrow">
+            <a:avLst/>
+          </a:prstGeom>
+        </p:spPr>
+        <p:style>
+          <a:lnRef idx="2">
+            <a:schemeClr val="accent1">
+              <a:shade val="50000"/>
+            </a:schemeClr>
+          </a:lnRef>
+          <a:fillRef idx="1">
+            <a:schemeClr val="accent1"/>
+          </a:fillRef>
+          <a:effectRef idx="0">
+            <a:schemeClr val="accent1"/>
+          </a:effectRef>
+          <a:fontRef idx="minor">
+            <a:schemeClr val="lt1"/>
+          </a:fontRef>
+        </p:style>
+        <p:txBody>
+          <a:bodyPr vert="eaVert" rtlCol="0" anchor="ctr"/>
+          <a:lstStyle/>
+          <a:p>
+            <a:pPr algn="ctr"/>
+            <a:r>
+              <a:rPr lang="en-SG" dirty="0" smtClean="0"/>
+              <a:t>Bluetooth</a:t>
+            </a:r>
+            <a:endParaRPr lang="en-SG" dirty="0"/>
+          </a:p>
+        </p:txBody>
+      </p:sp>
+      <p:sp>
+        <p:nvSpPr>
+          <p:cNvPr id="9" name="Right Arrow 8"/>
+          <p:cNvSpPr/>
+          <p:nvPr/>
+        </p:nvSpPr>
+        <p:spPr>
+          <a:xfrm>
+            <a:off x="2464523" y="1447967"/>
+            <a:ext cx="2210735" cy="757646"/>
+          </a:xfrm>
+          <a:prstGeom prst="rightArrow">
+            <a:avLst/>
+          </a:prstGeom>
+        </p:spPr>
+        <p:style>
+          <a:lnRef idx="2">
+            <a:schemeClr val="accent4">
+              <a:shade val="50000"/>
+            </a:schemeClr>
+          </a:lnRef>
+          <a:fillRef idx="1">
+            <a:schemeClr val="accent4"/>
+          </a:fillRef>
+          <a:effectRef idx="0">
+            <a:schemeClr val="accent4"/>
+          </a:effectRef>
+          <a:fontRef idx="minor">
+            <a:schemeClr val="lt1"/>
+          </a:fontRef>
+        </p:style>
+        <p:txBody>
+          <a:bodyPr rtlCol="0" anchor="ctr"/>
+          <a:lstStyle/>
+          <a:p>
+            <a:pPr algn="ctr"/>
+            <a:r>
+              <a:rPr lang="en-SG" dirty="0" smtClean="0"/>
+              <a:t>HTTP </a:t>
+            </a:r>
+            <a:endParaRPr lang="en-SG" dirty="0"/>
+          </a:p>
+        </p:txBody>
+      </p:sp>
+      <p:sp>
+        <p:nvSpPr>
+          <p:cNvPr id="10" name="Right Arrow 9"/>
+          <p:cNvSpPr/>
+          <p:nvPr/>
+        </p:nvSpPr>
+        <p:spPr>
+          <a:xfrm rot="1798054">
+            <a:off x="7103473" y="1949463"/>
+            <a:ext cx="2210735" cy="757646"/>
+          </a:xfrm>
+          <a:prstGeom prst="rightArrow">
+            <a:avLst/>
+          </a:prstGeom>
+        </p:spPr>
+        <p:style>
+          <a:lnRef idx="2">
+            <a:schemeClr val="accent4">
+              <a:shade val="50000"/>
+            </a:schemeClr>
+          </a:lnRef>
+          <a:fillRef idx="1">
+            <a:schemeClr val="accent4"/>
+          </a:fillRef>
+          <a:effectRef idx="0">
+            <a:schemeClr val="accent4"/>
+          </a:effectRef>
+          <a:fontRef idx="minor">
+            <a:schemeClr val="lt1"/>
+          </a:fontRef>
+        </p:style>
+        <p:txBody>
+          <a:bodyPr rtlCol="0" anchor="ctr"/>
+          <a:lstStyle/>
+          <a:p>
+            <a:pPr algn="ctr"/>
+            <a:endParaRPr lang="en-SG"/>
+          </a:p>
+        </p:txBody>
+      </p:sp>
+      <p:sp>
+        <p:nvSpPr>
+          <p:cNvPr id="11" name="Right Arrow 10"/>
+          <p:cNvSpPr/>
+          <p:nvPr/>
+        </p:nvSpPr>
+        <p:spPr>
+          <a:xfrm rot="8897950">
+            <a:off x="6866484" y="4188907"/>
+            <a:ext cx="2210735" cy="757646"/>
+          </a:xfrm>
+          <a:prstGeom prst="rightArrow">
+            <a:avLst/>
+          </a:prstGeom>
+        </p:spPr>
+        <p:style>
+          <a:lnRef idx="2">
+            <a:schemeClr val="accent4">
+              <a:shade val="50000"/>
+            </a:schemeClr>
+          </a:lnRef>
+          <a:fillRef idx="1">
+            <a:schemeClr val="accent4"/>
+          </a:fillRef>
+          <a:effectRef idx="0">
+            <a:schemeClr val="accent4"/>
+          </a:effectRef>
+          <a:fontRef idx="minor">
+            <a:schemeClr val="lt1"/>
+          </a:fontRef>
+        </p:style>
+        <p:txBody>
+          <a:bodyPr rtlCol="0" anchor="ctr"/>
+          <a:lstStyle/>
+          <a:p>
+            <a:pPr algn="ctr"/>
+            <a:endParaRPr lang="en-SG"/>
+          </a:p>
+        </p:txBody>
+      </p:sp>
+    </p:spTree>
+    <p:extLst>
+      <p:ext uri="{BB962C8B-B14F-4D97-AF65-F5344CB8AC3E}">
+        <p14:creationId xmlns:p14="http://schemas.microsoft.com/office/powerpoint/2010/main" val="2216161871"/>
+      </p:ext>
+    </p:extLst>
+  </p:cSld>
+  <p:clrMapOvr>
+    <a:masterClrMapping/>
+  </p:clrMapOvr>
+</p:sld>
+</file>
+
+<file path=ppt/slides/slide4.xml><?xml version="1.0" encoding="utf-8"?>
 <p:sld xmlns:a="http://schemas.openxmlformats.org/drawingml/2006/main" xmlns:r="http://schemas.openxmlformats.org/officeDocument/2006/relationships" xmlns:p="http://schemas.openxmlformats.org/presentationml/2006/main">
   <p:cSld>
     <p:spTree>
